--- a/附件（本册存放系统源码（可运行的工程文件）+答辩PPT）/20153160653_邓凯_毕业设计最终答辩PPT.pptx
+++ b/附件（本册存放系统源码（可运行的工程文件）+答辩PPT）/20153160653_邓凯_毕业设计最终答辩PPT.pptx
@@ -4299,8 +4299,8 @@
         </p:nvSpPr>
         <p:spPr bwMode="auto">
           <a:xfrm>
-            <a:off x="2266950" y="2104157"/>
-            <a:ext cx="8324850" cy="492125"/>
+            <a:off x="835660" y="2391410"/>
+            <a:ext cx="12022455" cy="615315"/>
           </a:xfrm>
           <a:prstGeom prst="rect">
             <a:avLst/>
@@ -4487,7 +4487,7 @@
               <a:buNone/>
             </a:pPr>
             <a:r>
-              <a:rPr lang="zh-CN" b="1" dirty="0" smtClean="0">
+              <a:rPr lang="zh-CN" sz="4000" b="1" dirty="0" smtClean="0">
                 <a:solidFill>
                   <a:srgbClr val="FFC000"/>
                 </a:solidFill>
@@ -4497,7 +4497,7 @@
               <a:t>基于</a:t>
             </a:r>
             <a:r>
-              <a:rPr lang="en-US" altLang="zh-CN" b="1" dirty="0" smtClean="0">
+              <a:rPr lang="en-US" altLang="zh-CN" sz="4000" b="1" dirty="0" smtClean="0">
                 <a:solidFill>
                   <a:srgbClr val="FFC000"/>
                 </a:solidFill>
@@ -4507,7 +4507,7 @@
               <a:t>Python</a:t>
             </a:r>
             <a:r>
-              <a:rPr lang="zh-CN" altLang="en-US" b="1" dirty="0" smtClean="0">
+              <a:rPr lang="zh-CN" altLang="en-US" sz="4000" b="1" dirty="0" smtClean="0">
                 <a:solidFill>
                   <a:srgbClr val="FFC000"/>
                 </a:solidFill>
@@ -4516,7 +4516,7 @@
               </a:rPr>
               <a:t>的分布式网络爬虫设计与实现</a:t>
             </a:r>
-            <a:endParaRPr lang="zh-CN" altLang="en-US" b="1" dirty="0" smtClean="0">
+            <a:endParaRPr lang="zh-CN" altLang="en-US" sz="4000" b="1" dirty="0" smtClean="0">
               <a:solidFill>
                 <a:srgbClr val="FFC000"/>
               </a:solidFill>
@@ -6744,8 +6744,8 @@
         </p:nvSpPr>
         <p:spPr>
           <a:xfrm>
-            <a:off x="2452370" y="-11430"/>
-            <a:ext cx="7953375" cy="553720"/>
+            <a:off x="744855" y="-11430"/>
+            <a:ext cx="10076815" cy="553720"/>
           </a:xfrm>
           <a:prstGeom prst="rect">
             <a:avLst/>
@@ -6783,7 +6783,7 @@
                 <a:ea typeface="微软雅黑" panose="020B0503020204020204" pitchFamily="34" charset="-122"/>
                 <a:sym typeface="Arial" panose="020B0604020202020204" pitchFamily="34" charset="0"/>
               </a:rPr>
-              <a:t>爬虫相关设计（解析器</a:t>
+              <a:t>爬虫难点相关设计（解析器</a:t>
             </a:r>
             <a:r>
               <a:rPr lang="en-US" altLang="zh-CN" sz="3600" dirty="0">
@@ -7396,7 +7396,7 @@
                 <a:ea typeface="微软雅黑" panose="020B0503020204020204" pitchFamily="34" charset="-122"/>
                 <a:sym typeface="Arial" panose="020B0604020202020204" pitchFamily="34" charset="0"/>
               </a:rPr>
-              <a:t>爬虫相关设计（下载中间件模块</a:t>
+              <a:t>爬虫难点相关设计（下载中间件模块</a:t>
             </a:r>
             <a:r>
               <a:rPr lang="zh-CN" altLang="en-US" sz="3600" dirty="0">
@@ -7810,7 +7810,7 @@
                 <a:ea typeface="微软雅黑" panose="020B0503020204020204" pitchFamily="34" charset="-122"/>
                 <a:sym typeface="Arial" panose="020B0604020202020204" pitchFamily="34" charset="0"/>
               </a:rPr>
-              <a:t>分布式部署设计</a:t>
+              <a:t>分布式部署设计（重点）</a:t>
             </a:r>
             <a:endParaRPr lang="zh-CN" altLang="en-US" sz="3600" dirty="0">
               <a:solidFill>
@@ -7825,7 +7825,7 @@
       </p:sp>
       <p:pic>
         <p:nvPicPr>
-          <p:cNvPr id="-2147482614" name="图片 36" descr="总架构图"/>
+          <p:cNvPr id="2" name="图片 36" descr="总架构图"/>
           <p:cNvPicPr>
             <a:picLocks noChangeAspect="1"/>
           </p:cNvPicPr>
@@ -7931,7 +7931,7 @@
         </p:nvSpPr>
         <p:spPr>
           <a:xfrm>
-            <a:off x="-15875" y="-11430"/>
+            <a:off x="1905" y="-11430"/>
             <a:ext cx="12853670" cy="7199630"/>
           </a:xfrm>
           <a:prstGeom prst="rect">
@@ -8052,7 +8052,7 @@
       </p:sp>
       <p:pic>
         <p:nvPicPr>
-          <p:cNvPr id="-2147482604" name="图片 52" descr="价格分区及数据格式调整"/>
+          <p:cNvPr id="2" name="图片 52" descr="价格分区及数据格式调整"/>
           <p:cNvPicPr>
             <a:picLocks noChangeAspect="1"/>
           </p:cNvPicPr>
@@ -8080,7 +8080,7 @@
       </p:pic>
       <p:pic>
         <p:nvPicPr>
-          <p:cNvPr id="-2147482592" name="图片 -2147482593" descr="1去除null及字段选择"/>
+          <p:cNvPr id="3" name="图片 -2147482593" descr="1去除null及字段选择"/>
           <p:cNvPicPr>
             <a:picLocks noChangeAspect="1"/>
           </p:cNvPicPr>
@@ -8108,7 +8108,7 @@
       </p:pic>
       <p:sp>
         <p:nvSpPr>
-          <p:cNvPr id="3" name="TextBox 8"/>
+          <p:cNvPr id="4" name="TextBox 8"/>
           <p:cNvSpPr txBox="1"/>
           <p:nvPr/>
         </p:nvSpPr>
@@ -8150,7 +8150,7 @@
       </p:sp>
       <p:sp>
         <p:nvSpPr>
-          <p:cNvPr id="4" name="TextBox 8"/>
+          <p:cNvPr id="5" name="TextBox 8"/>
           <p:cNvSpPr txBox="1"/>
           <p:nvPr/>
         </p:nvSpPr>
@@ -8182,7 +8182,15 @@
               </a:rPr>
               <a:t>2</a:t>
             </a:r>
-            <a:endParaRPr lang="en-US" altLang="zh-CN" sz="3600" dirty="0">
+            <a:r>
+              <a:rPr lang="zh-CN" altLang="en-US" sz="3600" dirty="0">
+                <a:latin typeface="Arial" panose="020B0604020202020204" pitchFamily="34" charset="0"/>
+                <a:ea typeface="微软雅黑" panose="020B0503020204020204" pitchFamily="34" charset="-122"/>
+                <a:sym typeface="Arial" panose="020B0604020202020204" pitchFamily="34" charset="0"/>
+              </a:rPr>
+              <a:t>（难点）</a:t>
+            </a:r>
+            <a:endParaRPr lang="zh-CN" altLang="en-US" sz="3600" dirty="0">
               <a:latin typeface="Arial" panose="020B0604020202020204" pitchFamily="34" charset="0"/>
               <a:ea typeface="微软雅黑" panose="020B0503020204020204" pitchFamily="34" charset="-122"/>
               <a:sym typeface="Arial" panose="020B0604020202020204" pitchFamily="34" charset="0"/>
@@ -8270,7 +8278,7 @@
         </p:nvSpPr>
         <p:spPr>
           <a:xfrm>
-            <a:off x="3175" y="-11430"/>
+            <a:off x="2540" y="16510"/>
             <a:ext cx="12853670" cy="7199630"/>
           </a:xfrm>
           <a:prstGeom prst="rect">
@@ -8391,7 +8399,7 @@
       </p:sp>
       <p:pic>
         <p:nvPicPr>
-          <p:cNvPr id="-2147482603" name="图片 53" descr="3.区域分类"/>
+          <p:cNvPr id="2" name="图片 53" descr="3.区域分类"/>
           <p:cNvPicPr>
             <a:picLocks noChangeAspect="1"/>
           </p:cNvPicPr>
@@ -8461,7 +8469,7 @@
       </p:sp>
       <p:pic>
         <p:nvPicPr>
-          <p:cNvPr id="-2147482602" name="图片 57" descr="4.行列转换"/>
+          <p:cNvPr id="3" name="图片 57" descr="4.行列转换"/>
           <p:cNvPicPr>
             <a:picLocks noChangeAspect="1"/>
           </p:cNvPicPr>
@@ -8521,7 +8529,15 @@
               </a:rPr>
               <a:t>4</a:t>
             </a:r>
-            <a:endParaRPr lang="en-US" altLang="zh-CN" sz="3600" dirty="0">
+            <a:r>
+              <a:rPr lang="zh-CN" altLang="en-US" sz="3600" dirty="0">
+                <a:latin typeface="Arial" panose="020B0604020202020204" pitchFamily="34" charset="0"/>
+                <a:ea typeface="微软雅黑" panose="020B0503020204020204" pitchFamily="34" charset="-122"/>
+                <a:sym typeface="Arial" panose="020B0604020202020204" pitchFamily="34" charset="0"/>
+              </a:rPr>
+              <a:t>（难点）</a:t>
+            </a:r>
+            <a:endParaRPr lang="zh-CN" altLang="en-US" sz="3600" dirty="0">
               <a:latin typeface="Arial" panose="020B0604020202020204" pitchFamily="34" charset="0"/>
               <a:ea typeface="微软雅黑" panose="020B0503020204020204" pitchFamily="34" charset="-122"/>
               <a:sym typeface="Arial" panose="020B0604020202020204" pitchFamily="34" charset="0"/>
@@ -9794,23 +9810,67 @@
       </p:grpSpPr>
       <p:sp>
         <p:nvSpPr>
+          <p:cNvPr id="3" name="矩形 2"/>
+          <p:cNvSpPr/>
+          <p:nvPr/>
+        </p:nvSpPr>
+        <p:spPr>
+          <a:xfrm>
+            <a:off x="0" y="15875"/>
+            <a:ext cx="12858750" cy="7216775"/>
+          </a:xfrm>
+          <a:prstGeom prst="rect">
+            <a:avLst/>
+          </a:prstGeom>
+          <a:solidFill>
+            <a:schemeClr val="bg2">
+              <a:lumMod val="90000"/>
+            </a:schemeClr>
+          </a:solidFill>
+        </p:spPr>
+        <p:style>
+          <a:lnRef idx="2">
+            <a:schemeClr val="accent1">
+              <a:shade val="50000"/>
+            </a:schemeClr>
+          </a:lnRef>
+          <a:fillRef idx="1">
+            <a:schemeClr val="accent1"/>
+          </a:fillRef>
+          <a:effectRef idx="0">
+            <a:schemeClr val="accent1"/>
+          </a:effectRef>
+          <a:fontRef idx="minor">
+            <a:schemeClr val="lt1"/>
+          </a:fontRef>
+        </p:style>
+        <p:txBody>
+          <a:bodyPr rtlCol="0" anchor="ctr"/>
+          <a:p>
+            <a:pPr algn="ctr"/>
+            <a:endParaRPr lang="zh-CN" altLang="en-US"/>
+          </a:p>
+        </p:txBody>
+      </p:sp>
+      <p:sp>
+        <p:nvSpPr>
           <p:cNvPr id="13" name="圆角矩形 12"/>
           <p:cNvSpPr/>
           <p:nvPr/>
         </p:nvSpPr>
         <p:spPr>
           <a:xfrm>
-            <a:off x="977265" y="1002665"/>
-            <a:ext cx="10904220" cy="6050280"/>
+            <a:off x="5599430" y="1134745"/>
+            <a:ext cx="7176770" cy="5673090"/>
           </a:xfrm>
           <a:prstGeom prst="roundRect">
             <a:avLst>
               <a:gd name="adj" fmla="val 0"/>
             </a:avLst>
           </a:prstGeom>
-          <a:solidFill>
-            <a:schemeClr val="accent2"/>
-          </a:solidFill>
+          <a:blipFill>
+            <a:blip r:embed="rId1"/>
+          </a:blipFill>
           <a:ln>
             <a:noFill/>
           </a:ln>
@@ -9856,8 +9916,8 @@
         </p:nvSpPr>
         <p:spPr>
           <a:xfrm>
-            <a:off x="2768600" y="2365375"/>
-            <a:ext cx="6422390" cy="738505"/>
+            <a:off x="5599430" y="1555115"/>
+            <a:ext cx="6127750" cy="738505"/>
           </a:xfrm>
           <a:prstGeom prst="rect">
             <a:avLst/>
@@ -9911,8 +9971,8 @@
         </p:nvSpPr>
         <p:spPr>
           <a:xfrm>
-            <a:off x="2768600" y="3181350"/>
-            <a:ext cx="7720330" cy="3693160"/>
+            <a:off x="5760085" y="2429510"/>
+            <a:ext cx="6856095" cy="4062730"/>
           </a:xfrm>
           <a:prstGeom prst="rect">
             <a:avLst/>
@@ -10164,7 +10224,7 @@
         </p:nvSpPr>
         <p:spPr>
           <a:xfrm>
-            <a:off x="4036060" y="333375"/>
+            <a:off x="4076700" y="160655"/>
             <a:ext cx="3971925" cy="553720"/>
           </a:xfrm>
           <a:prstGeom prst="rect">
@@ -10181,11 +10241,17 @@
             <a:pPr algn="ctr"/>
             <a:r>
               <a:rPr lang="en-US" altLang="zh-CN" sz="3600" dirty="0">
-                <a:solidFill>
-                  <a:schemeClr val="bg1">
-                    <a:lumMod val="50000"/>
-                  </a:schemeClr>
-                </a:solidFill>
+                <a:ln/>
+                <a:solidFill>
+                  <a:schemeClr val="tx1"/>
+                </a:solidFill>
+                <a:effectLst>
+                  <a:outerShdw blurRad="38100" dist="19050" dir="2700000" algn="tl" rotWithShape="0">
+                    <a:schemeClr val="dk1">
+                      <a:alpha val="40000"/>
+                    </a:schemeClr>
+                  </a:outerShdw>
+                </a:effectLst>
                 <a:latin typeface="Arial" panose="020B0604020202020204" pitchFamily="34" charset="0"/>
                 <a:ea typeface="微软雅黑" panose="020B0503020204020204" pitchFamily="34" charset="-122"/>
                 <a:sym typeface="Arial" panose="020B0604020202020204" pitchFamily="34" charset="0"/>
@@ -10194,11 +10260,17 @@
             </a:r>
             <a:r>
               <a:rPr lang="zh-CN" altLang="en-US" sz="3600" dirty="0">
-                <a:solidFill>
-                  <a:schemeClr val="bg1">
-                    <a:lumMod val="50000"/>
-                  </a:schemeClr>
-                </a:solidFill>
+                <a:ln/>
+                <a:solidFill>
+                  <a:schemeClr val="tx1"/>
+                </a:solidFill>
+                <a:effectLst>
+                  <a:outerShdw blurRad="38100" dist="19050" dir="2700000" algn="tl" rotWithShape="0">
+                    <a:schemeClr val="dk1">
+                      <a:alpha val="40000"/>
+                    </a:schemeClr>
+                  </a:outerShdw>
+                </a:effectLst>
                 <a:latin typeface="Arial" panose="020B0604020202020204" pitchFamily="34" charset="0"/>
                 <a:ea typeface="微软雅黑" panose="020B0503020204020204" pitchFamily="34" charset="-122"/>
                 <a:sym typeface="Arial" panose="020B0604020202020204" pitchFamily="34" charset="0"/>
@@ -10206,11 +10278,17 @@
               <a:t>工作完成情况</a:t>
             </a:r>
             <a:endParaRPr lang="zh-CN" altLang="en-US" sz="3600" dirty="0">
+              <a:ln/>
               <a:solidFill>
-                <a:schemeClr val="bg1">
-                  <a:lumMod val="50000"/>
-                </a:schemeClr>
+                <a:schemeClr val="tx1"/>
               </a:solidFill>
+              <a:effectLst>
+                <a:outerShdw blurRad="38100" dist="19050" dir="2700000" algn="tl" rotWithShape="0">
+                  <a:schemeClr val="dk1">
+                    <a:alpha val="40000"/>
+                  </a:schemeClr>
+                </a:outerShdw>
+              </a:effectLst>
               <a:latin typeface="Arial" panose="020B0604020202020204" pitchFamily="34" charset="0"/>
               <a:ea typeface="微软雅黑" panose="020B0503020204020204" pitchFamily="34" charset="-122"/>
               <a:sym typeface="Arial" panose="020B0604020202020204" pitchFamily="34" charset="0"/>
@@ -10227,7 +10305,7 @@
           <p:nvPr/>
         </p:nvPicPr>
         <p:blipFill>
-          <a:blip r:embed="rId1"/>
+          <a:blip r:embed="rId2"/>
           <a:stretch>
             <a:fillRect/>
           </a:stretch>
@@ -10244,6 +10322,30 @@
           <a:ln w="9525">
             <a:noFill/>
           </a:ln>
+        </p:spPr>
+      </p:pic>
+      <p:pic>
+        <p:nvPicPr>
+          <p:cNvPr id="5" name="图片 4"/>
+          <p:cNvPicPr>
+            <a:picLocks noChangeAspect="1"/>
+          </p:cNvPicPr>
+          <p:nvPr/>
+        </p:nvPicPr>
+        <p:blipFill>
+          <a:blip r:embed="rId3"/>
+          <a:stretch>
+            <a:fillRect/>
+          </a:stretch>
+        </p:blipFill>
+        <p:spPr>
+          <a:xfrm>
+            <a:off x="0" y="1135380"/>
+            <a:ext cx="5600065" cy="5672455"/>
+          </a:xfrm>
+          <a:prstGeom prst="rect">
+            <a:avLst/>
+          </a:prstGeom>
         </p:spPr>
       </p:pic>
     </p:spTree>
@@ -11026,12 +11128,14 @@
           <a:p>
             <a:pPr algn="ctr"/>
             <a:r>
-              <a:rPr lang="en-US" altLang="zh-CN" sz="3600" dirty="0">
-                <a:solidFill>
-                  <a:schemeClr val="bg1">
-                    <a:lumMod val="50000"/>
-                  </a:schemeClr>
-                </a:solidFill>
+              <a:rPr lang="zh-CN" altLang="en-US" sz="3600" dirty="0">
+                <a:effectLst>
+                  <a:outerShdw blurRad="38100" dist="19050" dir="2700000" algn="tl" rotWithShape="0">
+                    <a:schemeClr val="dk1">
+                      <a:alpha val="40000"/>
+                    </a:schemeClr>
+                  </a:outerShdw>
+                </a:effectLst>
                 <a:latin typeface="Arial" panose="020B0604020202020204" pitchFamily="34" charset="0"/>
                 <a:ea typeface="微软雅黑" panose="020B0503020204020204" pitchFamily="34" charset="-122"/>
                 <a:sym typeface="Arial" panose="020B0604020202020204" pitchFamily="34" charset="0"/>
@@ -11040,16 +11144,31 @@
             </a:r>
             <a:r>
               <a:rPr lang="zh-CN" altLang="en-US" sz="3600" dirty="0">
-                <a:solidFill>
-                  <a:schemeClr val="bg1">
-                    <a:lumMod val="50000"/>
-                  </a:schemeClr>
-                </a:solidFill>
+                <a:effectLst>
+                  <a:outerShdw blurRad="38100" dist="19050" dir="2700000" algn="tl" rotWithShape="0">
+                    <a:schemeClr val="dk1">
+                      <a:alpha val="40000"/>
+                    </a:schemeClr>
+                  </a:outerShdw>
+                </a:effectLst>
                 <a:latin typeface="Arial" panose="020B0604020202020204" pitchFamily="34" charset="0"/>
                 <a:ea typeface="微软雅黑" panose="020B0503020204020204" pitchFamily="34" charset="-122"/>
                 <a:sym typeface="Arial" panose="020B0604020202020204" pitchFamily="34" charset="0"/>
               </a:rPr>
-              <a:t>结果展示（运行情况）</a:t>
+              <a:t>结果展示（运行情况</a:t>
+            </a:r>
+            <a:r>
+              <a:rPr lang="zh-CN" altLang="en-US" sz="3600" dirty="0">
+                <a:solidFill>
+                  <a:schemeClr val="bg1">
+                    <a:lumMod val="50000"/>
+                  </a:schemeClr>
+                </a:solidFill>
+                <a:latin typeface="Arial" panose="020B0604020202020204" pitchFamily="34" charset="0"/>
+                <a:ea typeface="微软雅黑" panose="020B0503020204020204" pitchFamily="34" charset="-122"/>
+                <a:sym typeface="Arial" panose="020B0604020202020204" pitchFamily="34" charset="0"/>
+              </a:rPr>
+              <a:t>）</a:t>
             </a:r>
             <a:endParaRPr lang="zh-CN" altLang="en-US" sz="3600" dirty="0">
               <a:solidFill>
@@ -11066,7 +11185,7 @@
       </p:sp>
       <p:pic>
         <p:nvPicPr>
-          <p:cNvPr id="-2147482610" name="图片 42" descr="centos7_2端的爬虫程序开始干活"/>
+          <p:cNvPr id="2" name="图片 42" descr="centos7_2端的爬虫程序开始干活"/>
           <p:cNvPicPr>
             <a:picLocks noChangeAspect="1"/>
           </p:cNvPicPr>
@@ -11122,7 +11241,7 @@
       </p:pic>
       <p:pic>
         <p:nvPicPr>
-          <p:cNvPr id="-2147482611" name="图片 44" descr="windows端的爬虫程序开始干活"/>
+          <p:cNvPr id="3" name="图片 44" descr="windows端的爬虫程序开始干活"/>
           <p:cNvPicPr>
             <a:picLocks noChangeAspect="1"/>
           </p:cNvPicPr>
@@ -11208,7 +11327,7 @@
       </p:sp>
       <p:sp>
         <p:nvSpPr>
-          <p:cNvPr id="2" name="TextBox 8"/>
+          <p:cNvPr id="5" name="TextBox 8"/>
           <p:cNvSpPr txBox="1"/>
           <p:nvPr/>
         </p:nvSpPr>
@@ -11787,7 +11906,7 @@
       </p:sp>
       <p:pic>
         <p:nvPicPr>
-          <p:cNvPr id="-2147482609" name="图片 45" descr="resis数据库最终爬取结果样式"/>
+          <p:cNvPr id="2" name="图片 45" descr="resis数据库最终爬取结果样式"/>
           <p:cNvPicPr>
             <a:picLocks noChangeAspect="1"/>
           </p:cNvPicPr>
@@ -11815,7 +11934,7 @@
       </p:pic>
       <p:pic>
         <p:nvPicPr>
-          <p:cNvPr id="-2147482608" name="图片 49" descr="一条数据格式展示"/>
+          <p:cNvPr id="3" name="图片 49" descr="一条数据格式展示"/>
           <p:cNvPicPr>
             <a:picLocks noChangeAspect="1"/>
           </p:cNvPicPr>
@@ -12278,7 +12397,7 @@
       </p:sp>
       <p:pic>
         <p:nvPicPr>
-          <p:cNvPr id="-2147482607" name="图片 47" descr="爬取结果分析"/>
+          <p:cNvPr id="2" name="图片 47" descr="爬取结果分析"/>
           <p:cNvPicPr>
             <a:picLocks noChangeAspect="1"/>
           </p:cNvPicPr>
@@ -12306,7 +12425,7 @@
       </p:pic>
       <p:pic>
         <p:nvPicPr>
-          <p:cNvPr id="-2147482606" name="图片 46" descr="单机验证时间"/>
+          <p:cNvPr id="3" name="图片 46" descr="单机验证时间"/>
           <p:cNvPicPr>
             <a:picLocks noChangeAspect="1"/>
           </p:cNvPicPr>
@@ -15793,7 +15912,7 @@
       </p:sp>
       <p:pic>
         <p:nvPicPr>
-          <p:cNvPr id="-2147482601" name="图片 55" descr="列转行效果"/>
+          <p:cNvPr id="2" name="图片 55" descr="列转行效果"/>
           <p:cNvPicPr>
             <a:picLocks noChangeAspect="1"/>
           </p:cNvPicPr>
@@ -16245,7 +16364,7 @@
       </p:sp>
       <p:pic>
         <p:nvPicPr>
-          <p:cNvPr id="-2147482596" name="图片 62" descr="住宅类成都各区域平均房价"/>
+          <p:cNvPr id="2" name="图片 62" descr="住宅类成都各区域平均房价"/>
           <p:cNvPicPr>
             <a:picLocks noChangeAspect="1"/>
           </p:cNvPicPr>
@@ -16681,7 +16800,7 @@
       </p:sp>
       <p:pic>
         <p:nvPicPr>
-          <p:cNvPr id="-2147482599" name="图片 59" descr="底商类标记折线图"/>
+          <p:cNvPr id="2" name="图片 59" descr="底商类标记折线图"/>
           <p:cNvPicPr>
             <a:picLocks noChangeAspect="1"/>
           </p:cNvPicPr>
@@ -17117,7 +17236,7 @@
       </p:sp>
       <p:pic>
         <p:nvPicPr>
-          <p:cNvPr id="-2147482594" name="图片 68" descr="住宅类各区域价格图"/>
+          <p:cNvPr id="2" name="图片 68" descr="住宅类各区域价格图"/>
           <p:cNvPicPr>
             <a:picLocks noChangeAspect="1"/>
           </p:cNvPicPr>
@@ -18541,13 +18660,56 @@
       </p:sp>
       <p:sp>
         <p:nvSpPr>
+          <p:cNvPr id="2" name="圆角矩形 1"/>
+          <p:cNvSpPr/>
+          <p:nvPr/>
+        </p:nvSpPr>
+        <p:spPr>
+          <a:xfrm>
+            <a:off x="120650" y="857250"/>
+            <a:ext cx="12652375" cy="5864860"/>
+          </a:xfrm>
+          <a:prstGeom prst="roundRect">
+            <a:avLst/>
+          </a:prstGeom>
+          <a:blipFill>
+            <a:blip r:embed="rId1"/>
+            <a:tile tx="0" ty="0" sx="100000" sy="100000" flip="none" algn="tl"/>
+          </a:blipFill>
+        </p:spPr>
+        <p:style>
+          <a:lnRef idx="2">
+            <a:schemeClr val="accent1">
+              <a:shade val="50000"/>
+            </a:schemeClr>
+          </a:lnRef>
+          <a:fillRef idx="1">
+            <a:schemeClr val="accent1"/>
+          </a:fillRef>
+          <a:effectRef idx="0">
+            <a:schemeClr val="accent1"/>
+          </a:effectRef>
+          <a:fontRef idx="minor">
+            <a:schemeClr val="lt1"/>
+          </a:fontRef>
+        </p:style>
+        <p:txBody>
+          <a:bodyPr rtlCol="0" anchor="ctr"/>
+          <a:p>
+            <a:pPr algn="ctr"/>
+            <a:endParaRPr lang="zh-CN" altLang="en-US"/>
+          </a:p>
+        </p:txBody>
+      </p:sp>
+      <p:sp>
+        <p:nvSpPr>
           <p:cNvPr id="11" name="TextBox 8"/>
           <p:cNvSpPr txBox="1"/>
           <p:nvPr/>
         </p:nvSpPr>
         <p:spPr>
           <a:xfrm>
-            <a:off x="3773805" y="334010"/>
+            <a:off x="3773805" y="212090"/>
             <a:ext cx="5894070" cy="553720"/>
           </a:xfrm>
           <a:prstGeom prst="rect">
@@ -18710,7 +18872,7 @@
           <p:nvPr/>
         </p:nvPicPr>
         <p:blipFill>
-          <a:blip r:embed="rId1"/>
+          <a:blip r:embed="rId2"/>
           <a:stretch>
             <a:fillRect/>
           </a:stretch>
@@ -18987,13 +19149,56 @@
       </p:sp>
       <p:sp>
         <p:nvSpPr>
+          <p:cNvPr id="2" name="圆角矩形 1"/>
+          <p:cNvSpPr/>
+          <p:nvPr/>
+        </p:nvSpPr>
+        <p:spPr>
+          <a:xfrm>
+            <a:off x="92710" y="699135"/>
+            <a:ext cx="12745085" cy="6085840"/>
+          </a:xfrm>
+          <a:prstGeom prst="roundRect">
+            <a:avLst/>
+          </a:prstGeom>
+          <a:blipFill rotWithShape="1">
+            <a:blip r:embed="rId1"/>
+            <a:tile tx="0" ty="0" sx="100000" sy="100000" flip="none" algn="tl"/>
+          </a:blipFill>
+        </p:spPr>
+        <p:style>
+          <a:lnRef idx="2">
+            <a:schemeClr val="accent1">
+              <a:shade val="50000"/>
+            </a:schemeClr>
+          </a:lnRef>
+          <a:fillRef idx="1">
+            <a:schemeClr val="accent1"/>
+          </a:fillRef>
+          <a:effectRef idx="0">
+            <a:schemeClr val="accent1"/>
+          </a:effectRef>
+          <a:fontRef idx="minor">
+            <a:schemeClr val="lt1"/>
+          </a:fontRef>
+        </p:style>
+        <p:txBody>
+          <a:bodyPr rtlCol="0" anchor="ctr"/>
+          <a:p>
+            <a:pPr algn="ctr"/>
+            <a:endParaRPr lang="zh-CN" altLang="en-US"/>
+          </a:p>
+        </p:txBody>
+      </p:sp>
+      <p:sp>
+        <p:nvSpPr>
           <p:cNvPr id="11" name="TextBox 8"/>
           <p:cNvSpPr txBox="1"/>
           <p:nvPr/>
         </p:nvSpPr>
         <p:spPr>
           <a:xfrm>
-            <a:off x="3773805" y="334010"/>
+            <a:off x="3814445" y="69850"/>
             <a:ext cx="5894070" cy="553720"/>
           </a:xfrm>
           <a:prstGeom prst="rect">
@@ -19195,7 +19400,7 @@
           <p:nvPr/>
         </p:nvPicPr>
         <p:blipFill>
-          <a:blip r:embed="rId1"/>
+          <a:blip r:embed="rId2"/>
           <a:stretch>
             <a:fillRect/>
           </a:stretch>
@@ -24835,7 +25040,6 @@
             </a:pPr>
             <a:r>
               <a:rPr lang="en-US" altLang="zh-CN" sz="2400" b="1" dirty="0">
-                <a:ln/>
                 <a:solidFill>
                   <a:schemeClr val="tx1"/>
                 </a:solidFill>
@@ -24853,7 +25057,6 @@
               <a:t>    而随着业务的扩大，需求数据量的增多，如何充分合理的分配人力资源，时间以及成本费用便成为一个很大的难题。</a:t>
             </a:r>
             <a:endParaRPr lang="en-US" altLang="zh-CN" sz="2400" b="1" dirty="0">
-              <a:ln/>
               <a:solidFill>
                 <a:schemeClr val="tx1"/>
               </a:solidFill>
@@ -25548,6 +25751,9 @@
               <a:spcAft>
                 <a:spcPts val="0"/>
               </a:spcAft>
+              <a:buClrTx/>
+              <a:buSzTx/>
+              <a:buFontTx/>
             </a:pPr>
             <a:r>
               <a:rPr lang="en-US" altLang="zh-CN" sz="1600" dirty="0">
@@ -25562,7 +25768,6 @@
             </a:r>
             <a:r>
               <a:rPr lang="en-US" altLang="zh-CN" sz="1600" dirty="0">
-                <a:ln/>
                 <a:solidFill>
                   <a:schemeClr val="tx1"/>
                 </a:solidFill>
@@ -25580,53 +25785,32 @@
               <a:t> </a:t>
             </a:r>
             <a:r>
-              <a:rPr lang="zh-CN" altLang="en-US" sz="1600" dirty="0">
-                <a:ln/>
-                <a:solidFill>
-                  <a:schemeClr val="tx1"/>
+              <a:rPr lang="en-US" altLang="zh-CN" sz="1600" dirty="0">
+                <a:solidFill>
+                  <a:schemeClr val="accent1"/>
                 </a:solidFill>
                 <a:effectLst>
-                  <a:outerShdw blurRad="38100" dist="19050" dir="2700000" algn="tl" rotWithShape="0">
-                    <a:schemeClr val="dk1">
-                      <a:alpha val="40000"/>
-                    </a:schemeClr>
+                  <a:outerShdw blurRad="38100" dist="25400" dir="5400000" algn="ctr" rotWithShape="0">
+                    <a:srgbClr val="6E747A">
+                      <a:alpha val="43000"/>
+                    </a:srgbClr>
                   </a:outerShdw>
                 </a:effectLst>
                 <a:latin typeface="Arial" panose="020B0604020202020204" pitchFamily="34" charset="0"/>
                 <a:ea typeface="微软雅黑" panose="020B0503020204020204" pitchFamily="34" charset="-122"/>
                 <a:sym typeface="Arial" panose="020B0604020202020204" pitchFamily="34" charset="0"/>
               </a:rPr>
-              <a:t>对于普通的单机爬虫而言，爬取一个大型的网站信息往往需要花费较长时间，尽管可以使用多线程爬虫来提高爬取的速度，但是这又对单机的硬件配置要求比较高，所以价格自然也就高了。有时为了提高速度，分配多人员进行网站信息采集，每一个人写的爬虫程序可能不同，不便于后期维护，采集到的信息很有可能重复，这也增大了后期数据清洗的工作量。此时，分布式爬虫就应运而生了。它可以减少开发人员的数量。一个人便可以编写完整的代码，同样的程序可以部署到多台廉价的机器上运行，又能做到同步控制减少重复数据，速度又快，还能够节约成本费用</a:t>
-            </a:r>
-            <a:r>
-              <a:rPr lang="en-US" altLang="zh-CN" sz="1600" dirty="0">
-                <a:ln/>
-                <a:solidFill>
-                  <a:schemeClr val="tx1"/>
-                </a:solidFill>
-                <a:effectLst>
-                  <a:outerShdw blurRad="38100" dist="19050" dir="2700000" algn="tl" rotWithShape="0">
-                    <a:schemeClr val="dk1">
-                      <a:alpha val="40000"/>
-                    </a:schemeClr>
-                  </a:outerShdw>
-                </a:effectLst>
-                <a:latin typeface="Arial" panose="020B0604020202020204" pitchFamily="34" charset="0"/>
-                <a:ea typeface="微软雅黑" panose="020B0503020204020204" pitchFamily="34" charset="-122"/>
-                <a:sym typeface="Arial" panose="020B0604020202020204" pitchFamily="34" charset="0"/>
-              </a:rPr>
-              <a:t>.</a:t>
+              <a:t>对于普通的单机爬虫而言，爬取一个大型的网站信息往往需要花费较长时间，尽管可以使用多线程爬虫来提高爬取的速度，但是这又对单机的硬件配置要求比较高，所以价格自然也就高了。有时为了提高速度，分配多人员进行网站信息采集，每一个人写的爬虫程序可能不同，不便于后期维护，采集到的信息很有可能重复，这也增大了后期数据清洗的工作量。此时，分布式爬虫就应运而生了。它可以减少开发人员的数量。一个人便可以编写完整的代码，同样的程序可以部署到多台廉价的机器上运行，又能做到同步控制减少重复数据，速度又快，还能够节约成本费用.</a:t>
             </a:r>
             <a:endParaRPr lang="en-US" altLang="zh-CN" sz="1600" dirty="0">
-              <a:ln/>
               <a:solidFill>
-                <a:schemeClr val="tx1"/>
+                <a:schemeClr val="accent1"/>
               </a:solidFill>
               <a:effectLst>
-                <a:outerShdw blurRad="38100" dist="19050" dir="2700000" algn="tl" rotWithShape="0">
-                  <a:schemeClr val="dk1">
-                    <a:alpha val="40000"/>
-                  </a:schemeClr>
+                <a:outerShdw blurRad="38100" dist="25400" dir="5400000" algn="ctr" rotWithShape="0">
+                  <a:srgbClr val="6E747A">
+                    <a:alpha val="43000"/>
+                  </a:srgbClr>
                 </a:outerShdw>
               </a:effectLst>
               <a:latin typeface="Arial" panose="020B0604020202020204" pitchFamily="34" charset="0"/>
@@ -26002,7 +26186,6 @@
             </a:r>
             <a:r>
               <a:rPr lang="en-US" altLang="zh-CN" sz="1600" dirty="0">
-                <a:ln/>
                 <a:solidFill>
                   <a:schemeClr val="accent1"/>
                 </a:solidFill>
@@ -26020,7 +26203,6 @@
               <a:t>考虑到开发语言的难易程度，以及流行程度，我准备基于python在原单机爬虫框架scrapy的基础上，设计一个灵活分的布式爬虫系统，由于scrapy本身不支持分布式，所以需要一定的改进，在scrapy_redis扩展框架中对于分布式的支持也不一定满足设计，所以还需要在上面进行一定的修改。最后，为了体现爬虫工作者对数据的后续处理过程，还会进行数据清洗以及简单的数据分析，在一个数据相关的公司中，这是一个基础而又重要的部分流水线生产环节。</a:t>
             </a:r>
             <a:endParaRPr lang="en-US" altLang="zh-CN" sz="1600" dirty="0">
-              <a:ln/>
               <a:solidFill>
                 <a:schemeClr val="accent1"/>
               </a:solidFill>
@@ -26571,8 +26753,8 @@
         </p:nvSpPr>
         <p:spPr>
           <a:xfrm>
-            <a:off x="5023781" y="4431706"/>
-            <a:ext cx="1535430" cy="215265"/>
+            <a:off x="4845981" y="4431706"/>
+            <a:ext cx="1891030" cy="215265"/>
           </a:xfrm>
           <a:prstGeom prst="rect">
             <a:avLst/>
@@ -26613,7 +26795,7 @@
                 <a:ea typeface="微软雅黑" panose="020B0503020204020204" pitchFamily="34" charset="-122"/>
                 <a:sym typeface="Arial" panose="020B0604020202020204" pitchFamily="34" charset="0"/>
               </a:rPr>
-              <a:t>爬虫相关设计</a:t>
+              <a:t>爬虫难点相关设计</a:t>
             </a:r>
             <a:endParaRPr lang="zh-CN" altLang="en-US" sz="1400" dirty="0">
               <a:solidFill>
@@ -27719,7 +27901,6 @@
             <a:pPr algn="ctr"/>
             <a:r>
               <a:rPr lang="zh-CN" altLang="en-US" sz="1600" dirty="0">
-                <a:ln/>
                 <a:solidFill>
                   <a:srgbClr val="FF0000"/>
                 </a:solidFill>
@@ -27737,7 +27918,6 @@
               <a:t>设计说明：爬虫是针对于链家网站的新楼盘设计的</a:t>
             </a:r>
             <a:endParaRPr lang="zh-CN" altLang="en-US" sz="1600" dirty="0">
-              <a:ln/>
               <a:solidFill>
                 <a:srgbClr val="FF0000"/>
               </a:solidFill>
